--- a/GameOfLife/CodingDojo_GameOfLife.pptx
+++ b/GameOfLife/CodingDojo_GameOfLife.pptx
@@ -222,7 +222,7 @@
           <a:p>
             <a:fld id="{550C01F7-036F-4DDB-91D3-72DE411FB950}" type="datetimeFigureOut">
               <a:rPr lang="de-AT" smtClean="0"/>
-              <a:t>29.09.2023</a:t>
+              <a:t>03.11.2023</a:t>
             </a:fld>
             <a:endParaRPr lang="de-AT"/>
           </a:p>
@@ -6390,7 +6390,7 @@
           <a:p>
             <a:fld id="{4F9BBA49-313F-47D7-A954-C3F504465317}" type="datetimeFigureOut">
               <a:rPr lang="de-AT" smtClean="0"/>
-              <a:t>29.09.2023</a:t>
+              <a:t>03.11.2023</a:t>
             </a:fld>
             <a:endParaRPr lang="de-AT"/>
           </a:p>
@@ -6560,7 +6560,7 @@
           <a:p>
             <a:fld id="{4F9BBA49-313F-47D7-A954-C3F504465317}" type="datetimeFigureOut">
               <a:rPr lang="de-AT" smtClean="0"/>
-              <a:t>29.09.2023</a:t>
+              <a:t>03.11.2023</a:t>
             </a:fld>
             <a:endParaRPr lang="de-AT"/>
           </a:p>
@@ -11319,12 +11319,8 @@
           <a:lstStyle/>
           <a:p>
             <a:r>
-              <a:rPr lang="en-GB" dirty="0" err="1"/>
-              <a:t>Vorteile</a:t>
-            </a:r>
-            <a:r>
               <a:rPr lang="en-GB" dirty="0"/>
-              <a:t>?</a:t>
+              <a:t>Outcome Mob Programming</a:t>
             </a:r>
             <a:endParaRPr lang="en-AT" dirty="0"/>
           </a:p>
@@ -11348,10 +11344,171 @@
         </p:nvSpPr>
         <p:spPr/>
         <p:txBody>
-          <a:bodyPr/>
+          <a:bodyPr>
+            <a:normAutofit lnSpcReduction="10000"/>
+          </a:bodyPr>
           <a:lstStyle/>
           <a:p>
-            <a:endParaRPr lang="en-AT"/>
+            <a:r>
+              <a:rPr lang="en-GB" dirty="0" err="1"/>
+              <a:t>Positiv</a:t>
+            </a:r>
+            <a:r>
+              <a:rPr lang="en-GB" dirty="0"/>
+              <a:t>:</a:t>
+            </a:r>
+          </a:p>
+          <a:p>
+            <a:pPr lvl="1"/>
+            <a:r>
+              <a:rPr lang="en-GB" dirty="0"/>
+              <a:t>Schneller </a:t>
+            </a:r>
+            <a:r>
+              <a:rPr lang="en-GB" dirty="0" err="1"/>
+              <a:t>fertig</a:t>
+            </a:r>
+            <a:r>
+              <a:rPr lang="en-GB" dirty="0"/>
+              <a:t> bis Deadline (Cycle Time, Lead Time)</a:t>
+            </a:r>
+          </a:p>
+          <a:p>
+            <a:pPr lvl="1"/>
+            <a:r>
+              <a:rPr lang="en-GB" dirty="0" err="1"/>
+              <a:t>Risiko</a:t>
+            </a:r>
+            <a:r>
+              <a:rPr lang="en-GB" dirty="0"/>
+              <a:t> </a:t>
+            </a:r>
+            <a:r>
+              <a:rPr lang="en-GB" dirty="0" err="1"/>
+              <a:t>Abdeckung</a:t>
+            </a:r>
+            <a:endParaRPr lang="en-GB" dirty="0"/>
+          </a:p>
+          <a:p>
+            <a:pPr lvl="1"/>
+            <a:r>
+              <a:rPr lang="en-GB" dirty="0" err="1"/>
+              <a:t>Fokus</a:t>
+            </a:r>
+            <a:endParaRPr lang="en-GB" dirty="0"/>
+          </a:p>
+          <a:p>
+            <a:r>
+              <a:rPr lang="en-GB" dirty="0" err="1"/>
+              <a:t>Negativ</a:t>
+            </a:r>
+            <a:r>
+              <a:rPr lang="en-GB" dirty="0"/>
+              <a:t>:</a:t>
+            </a:r>
+          </a:p>
+          <a:p>
+            <a:pPr lvl="1"/>
+            <a:r>
+              <a:rPr lang="en-GB" dirty="0"/>
+              <a:t>Mehr </a:t>
+            </a:r>
+            <a:r>
+              <a:rPr lang="en-GB" dirty="0" err="1"/>
+              <a:t>Aufwand</a:t>
+            </a:r>
+            <a:r>
+              <a:rPr lang="en-GB" dirty="0"/>
+              <a:t> (PT)</a:t>
+            </a:r>
+          </a:p>
+          <a:p>
+            <a:pPr lvl="2"/>
+            <a:r>
+              <a:rPr lang="en-GB" dirty="0"/>
+              <a:t>Aber: </a:t>
+            </a:r>
+            <a:r>
+              <a:rPr lang="en-GB" dirty="0" err="1"/>
+              <a:t>wenn</a:t>
+            </a:r>
+            <a:r>
+              <a:rPr lang="en-GB" dirty="0"/>
+              <a:t> </a:t>
+            </a:r>
+            <a:r>
+              <a:rPr lang="en-GB" dirty="0" err="1"/>
+              <a:t>Komplexität</a:t>
+            </a:r>
+            <a:r>
+              <a:rPr lang="en-GB" dirty="0"/>
+              <a:t> </a:t>
+            </a:r>
+            <a:r>
+              <a:rPr lang="en-GB" dirty="0" err="1"/>
+              <a:t>sehr</a:t>
+            </a:r>
+            <a:r>
+              <a:rPr lang="en-GB" dirty="0"/>
+              <a:t> </a:t>
+            </a:r>
+            <a:r>
+              <a:rPr lang="en-GB" dirty="0" err="1"/>
+              <a:t>hoch</a:t>
+            </a:r>
+            <a:r>
+              <a:rPr lang="en-GB" dirty="0"/>
+              <a:t>, </a:t>
+            </a:r>
+            <a:r>
+              <a:rPr lang="en-GB" dirty="0" err="1"/>
+              <a:t>nicht</a:t>
+            </a:r>
+            <a:r>
+              <a:rPr lang="en-GB" dirty="0"/>
+              <a:t> </a:t>
+            </a:r>
+            <a:r>
+              <a:rPr lang="en-GB" dirty="0" err="1"/>
+              <a:t>unbedingt</a:t>
+            </a:r>
+            <a:r>
+              <a:rPr lang="en-GB" dirty="0"/>
+              <a:t> </a:t>
+            </a:r>
+            <a:r>
+              <a:rPr lang="en-GB" dirty="0" err="1"/>
+              <a:t>wahr</a:t>
+            </a:r>
+            <a:endParaRPr lang="en-GB" dirty="0"/>
+          </a:p>
+          <a:p>
+            <a:pPr lvl="1"/>
+            <a:r>
+              <a:rPr lang="en-GB" dirty="0" err="1"/>
+              <a:t>Weniger</a:t>
+            </a:r>
+            <a:r>
+              <a:rPr lang="en-GB" dirty="0"/>
+              <a:t> </a:t>
+            </a:r>
+            <a:r>
+              <a:rPr lang="en-GB" dirty="0" err="1"/>
+              <a:t>Paralletität</a:t>
+            </a:r>
+            <a:r>
+              <a:rPr lang="en-GB" dirty="0"/>
+              <a:t> </a:t>
+            </a:r>
+            <a:r>
+              <a:rPr lang="en-GB" dirty="0" err="1"/>
+              <a:t>bzgl</a:t>
+            </a:r>
+            <a:r>
+              <a:rPr lang="en-GB"/>
+              <a:t> Features</a:t>
+            </a:r>
+            <a:endParaRPr lang="en-AT" dirty="0"/>
           </a:p>
         </p:txBody>
       </p:sp>
@@ -13374,7 +13531,7 @@
             </a:r>
             <a:r>
               <a:rPr lang="en-GB" dirty="0" err="1"/>
-              <a:t>NumberToLcdDojo</a:t>
+              <a:t>GameOfLife</a:t>
             </a:r>
             <a:r>
               <a:rPr lang="en-GB" dirty="0"/>
